--- a/20220211-cargo-ccfeb22-eosc_slices/20220211-cc-intro.pptx
+++ b/20220211-cargo-ccfeb22-eosc_slices/20220211-cc-intro.pptx
@@ -12,7 +12,7 @@
   </p:handoutMasterIdLst>
   <p:sldIdLst>
     <p:sldId id="256" r:id="rId2"/>
-    <p:sldId id="258" r:id="rId3"/>
+    <p:sldId id="261" r:id="rId3"/>
     <p:sldId id="259" r:id="rId4"/>
     <p:sldId id="260" r:id="rId5"/>
   </p:sldIdLst>
@@ -714,90 +714,6 @@
 </file>
 
 <file path=ppt/notesSlides/notesSlide1.xml><?xml version="1.0" encoding="utf-8"?>
-<p:notes xmlns:a="http://schemas.openxmlformats.org/drawingml/2006/main" xmlns:r="http://schemas.openxmlformats.org/officeDocument/2006/relationships" xmlns:p="http://schemas.openxmlformats.org/presentationml/2006/main">
-  <p:cSld>
-    <p:spTree>
-      <p:nvGrpSpPr>
-        <p:cNvPr id="1" name=""/>
-        <p:cNvGrpSpPr/>
-        <p:nvPr/>
-      </p:nvGrpSpPr>
-      <p:grpSpPr>
-        <a:xfrm>
-          <a:off x="0" y="0"/>
-          <a:ext cx="0" cy="0"/>
-          <a:chOff x="0" y="0"/>
-          <a:chExt cx="0" cy="0"/>
-        </a:xfrm>
-      </p:grpSpPr>
-      <p:sp>
-        <p:nvSpPr>
-          <p:cNvPr id="2" name="Slide Image Placeholder 1"/>
-          <p:cNvSpPr>
-            <a:spLocks noGrp="1" noRot="1" noChangeAspect="1"/>
-          </p:cNvSpPr>
-          <p:nvPr>
-            <p:ph type="sldImg"/>
-          </p:nvPr>
-        </p:nvSpPr>
-        <p:spPr/>
-      </p:sp>
-      <p:sp>
-        <p:nvSpPr>
-          <p:cNvPr id="3" name="Notes Placeholder 2"/>
-          <p:cNvSpPr>
-            <a:spLocks noGrp="1"/>
-          </p:cNvSpPr>
-          <p:nvPr>
-            <p:ph type="body" idx="1"/>
-          </p:nvPr>
-        </p:nvSpPr>
-        <p:spPr/>
-        <p:txBody>
-          <a:bodyPr/>
-          <a:lstStyle/>
-          <a:p>
-            <a:endParaRPr lang="en-FR"/>
-          </a:p>
-        </p:txBody>
-      </p:sp>
-      <p:sp>
-        <p:nvSpPr>
-          <p:cNvPr id="4" name="Slide Number Placeholder 3"/>
-          <p:cNvSpPr>
-            <a:spLocks noGrp="1"/>
-          </p:cNvSpPr>
-          <p:nvPr>
-            <p:ph type="sldNum" sz="quarter" idx="5"/>
-          </p:nvPr>
-        </p:nvSpPr>
-        <p:spPr/>
-        <p:txBody>
-          <a:bodyPr/>
-          <a:lstStyle/>
-          <a:p>
-            <a:fld id="{CD486E94-3769-6F48-B1AE-9F9BD5C3B033}" type="slidenum">
-              <a:rPr lang="fr-FR" smtClean="0"/>
-              <a:t>2</a:t>
-            </a:fld>
-            <a:endParaRPr lang="fr-FR"/>
-          </a:p>
-        </p:txBody>
-      </p:sp>
-    </p:spTree>
-    <p:extLst>
-      <p:ext uri="{BB962C8B-B14F-4D97-AF65-F5344CB8AC3E}">
-        <p14:creationId xmlns:p14="http://schemas.microsoft.com/office/powerpoint/2010/main" val="3448111141"/>
-      </p:ext>
-    </p:extLst>
-  </p:cSld>
-  <p:clrMapOvr>
-    <a:masterClrMapping/>
-  </p:clrMapOvr>
-</p:notes>
-</file>
-
-<file path=ppt/notesSlides/notesSlide2.xml><?xml version="1.0" encoding="utf-8"?>
 <p:notes xmlns:a="http://schemas.openxmlformats.org/drawingml/2006/main" xmlns:r="http://schemas.openxmlformats.org/officeDocument/2006/relationships" xmlns:p="http://schemas.openxmlformats.org/presentationml/2006/main">
   <p:cSld>
     <p:spTree>
@@ -3316,7 +3232,7 @@
           <a:p>
             <a:r>
               <a:rPr lang="fr-FR" sz="5400" b="1"/>
-              <a:t>CargoChat Feb22</a:t>
+              <a:t>CargoChat v9</a:t>
             </a:r>
             <a:br>
               <a:rPr lang="fr-FR" sz="5400" b="1"/>
@@ -3397,68 +3313,6 @@
               <a:rPr lang="en-FR" sz="1400"/>
               <a:t>7 mai 2021</a:t>
             </a:r>
-          </a:p>
-        </p:txBody>
-      </p:sp>
-      <p:sp>
-        <p:nvSpPr>
-          <p:cNvPr id="6" name="TextBox 5">
-            <a:extLst>
-              <a:ext uri="{FF2B5EF4-FFF2-40B4-BE49-F238E27FC236}">
-                <a16:creationId xmlns:a16="http://schemas.microsoft.com/office/drawing/2014/main" id="{0566EBFD-3058-8245-96E6-E03E04A24C61}"/>
-              </a:ext>
-            </a:extLst>
-          </p:cNvPr>
-          <p:cNvSpPr txBox="1"/>
-          <p:nvPr/>
-        </p:nvSpPr>
-        <p:spPr>
-          <a:xfrm>
-            <a:off x="4572000" y="2007220"/>
-            <a:ext cx="4572000" cy="338554"/>
-          </a:xfrm>
-          <a:prstGeom prst="rect">
-            <a:avLst/>
-          </a:prstGeom>
-          <a:noFill/>
-        </p:spPr>
-        <p:txBody>
-          <a:bodyPr wrap="square">
-            <a:spAutoFit/>
-          </a:bodyPr>
-          <a:lstStyle/>
-          <a:p>
-            <a:r>
-              <a:rPr lang="en-GB" sz="1600">
-                <a:solidFill>
-                  <a:srgbClr val="0E6E6D"/>
-                </a:solidFill>
-                <a:latin typeface="Calibri" panose="020F0502020204030204" pitchFamily="34" charset="0"/>
-                <a:ea typeface="+mj-ea"/>
-                <a:cs typeface="Calibri" panose="020F0502020204030204" pitchFamily="34" charset="0"/>
-                <a:hlinkClick r:id="rId2"/>
-              </a:rPr>
-              <a:t>https://cargo.resinfo.org/spip.php?article86</a:t>
-            </a:r>
-            <a:r>
-              <a:rPr lang="en-GB" sz="1600">
-                <a:solidFill>
-                  <a:srgbClr val="0E6E6D"/>
-                </a:solidFill>
-                <a:latin typeface="Calibri" panose="020F0502020204030204" pitchFamily="34" charset="0"/>
-                <a:ea typeface="+mj-ea"/>
-                <a:cs typeface="Calibri" panose="020F0502020204030204" pitchFamily="34" charset="0"/>
-              </a:rPr>
-              <a:t>  </a:t>
-            </a:r>
-            <a:endParaRPr lang="en-FR" sz="1600">
-              <a:solidFill>
-                <a:srgbClr val="0E6E6D"/>
-              </a:solidFill>
-              <a:latin typeface="Calibri" panose="020F0502020204030204" pitchFamily="34" charset="0"/>
-              <a:ea typeface="+mj-ea"/>
-              <a:cs typeface="Calibri" panose="020F0502020204030204" pitchFamily="34" charset="0"/>
-            </a:endParaRPr>
           </a:p>
         </p:txBody>
       </p:sp>
@@ -3494,173 +3348,10 @@
       </p:grpSpPr>
       <p:sp>
         <p:nvSpPr>
-          <p:cNvPr id="2" name="Content Placeholder 1">
+          <p:cNvPr id="2" name="Slide Number Placeholder 1">
             <a:extLst>
               <a:ext uri="{FF2B5EF4-FFF2-40B4-BE49-F238E27FC236}">
-                <a16:creationId xmlns:a16="http://schemas.microsoft.com/office/drawing/2014/main" id="{4A7D848D-09E2-EA4E-97E7-CB2FEFB728DE}"/>
-              </a:ext>
-            </a:extLst>
-          </p:cNvPr>
-          <p:cNvSpPr>
-            <a:spLocks noGrp="1"/>
-          </p:cNvSpPr>
-          <p:nvPr>
-            <p:ph sz="quarter" idx="13"/>
-          </p:nvPr>
-        </p:nvSpPr>
-        <p:spPr>
-          <a:xfrm>
-            <a:off x="1944855" y="1425074"/>
-            <a:ext cx="6941446" cy="3111500"/>
-          </a:xfrm>
-        </p:spPr>
-        <p:txBody>
-          <a:bodyPr/>
-          <a:lstStyle/>
-          <a:p>
-            <a:r>
-              <a:rPr lang="en-GB" sz="1600">
-                <a:latin typeface="Calibri Light" panose="020F0302020204030204" pitchFamily="34" charset="0"/>
-                <a:cs typeface="Calibri Light" panose="020F0302020204030204" pitchFamily="34" charset="0"/>
-              </a:rPr>
-              <a:t>On ne fait pas du webinaire ou du tutoriel.</a:t>
-            </a:r>
-          </a:p>
-          <a:p>
-            <a:r>
-              <a:rPr lang="en-GB" sz="1600">
-                <a:latin typeface="Calibri Light" panose="020F0302020204030204" pitchFamily="34" charset="0"/>
-                <a:cs typeface="Calibri Light" panose="020F0302020204030204" pitchFamily="34" charset="0"/>
-              </a:rPr>
-              <a:t>On essaye de terminer à l’heure, i.e. à 11h00</a:t>
-            </a:r>
-          </a:p>
-          <a:p>
-            <a:r>
-              <a:rPr lang="en-GB" sz="1600">
-                <a:latin typeface="Calibri Light" panose="020F0302020204030204" pitchFamily="34" charset="0"/>
-                <a:cs typeface="Calibri Light" panose="020F0302020204030204" pitchFamily="34" charset="0"/>
-              </a:rPr>
-              <a:t>On accepte toutes les questions, il n’y a pas de questions “idiotes”</a:t>
-            </a:r>
-          </a:p>
-          <a:p>
-            <a:r>
-              <a:rPr lang="en-GB" sz="1600">
-                <a:latin typeface="Calibri Light" panose="020F0302020204030204" pitchFamily="34" charset="0"/>
-                <a:cs typeface="Calibri Light" panose="020F0302020204030204" pitchFamily="34" charset="0"/>
-              </a:rPr>
-              <a:t>Tout le monde peut intervenir</a:t>
-            </a:r>
-          </a:p>
-          <a:p>
-            <a:r>
-              <a:rPr lang="en-GB" sz="1600">
-                <a:latin typeface="Calibri Light" panose="020F0302020204030204" pitchFamily="34" charset="0"/>
-                <a:cs typeface="Calibri Light" panose="020F0302020204030204" pitchFamily="34" charset="0"/>
-              </a:rPr>
-              <a:t>On n’aime pas les slides</a:t>
-            </a:r>
-          </a:p>
-          <a:p>
-            <a:r>
-              <a:rPr lang="en-GB" sz="1600">
-                <a:latin typeface="Calibri Light" panose="020F0302020204030204" pitchFamily="34" charset="0"/>
-                <a:cs typeface="Calibri Light" panose="020F0302020204030204" pitchFamily="34" charset="0"/>
-              </a:rPr>
-              <a:t>On préfère les schémas et les explications techniques</a:t>
-            </a:r>
-          </a:p>
-          <a:p>
-            <a:r>
-              <a:rPr lang="en-GB" sz="1600">
-                <a:latin typeface="Calibri Light" panose="020F0302020204030204" pitchFamily="34" charset="0"/>
-                <a:cs typeface="Calibri Light" panose="020F0302020204030204" pitchFamily="34" charset="0"/>
-              </a:rPr>
-              <a:t>On aime les démos qui plantent</a:t>
-            </a:r>
-          </a:p>
-          <a:p>
-            <a:r>
-              <a:rPr lang="en-GB" sz="1600">
-                <a:latin typeface="Calibri Light" panose="020F0302020204030204" pitchFamily="34" charset="0"/>
-                <a:cs typeface="Calibri Light" panose="020F0302020204030204" pitchFamily="34" charset="0"/>
-              </a:rPr>
-              <a:t>On code, on fait des erreurs, on teste et on déboggue en live</a:t>
-            </a:r>
-          </a:p>
-          <a:p>
-            <a:r>
-              <a:rPr lang="en-GB" sz="1600">
-                <a:latin typeface="Calibri Light" panose="020F0302020204030204" pitchFamily="34" charset="0"/>
-                <a:cs typeface="Calibri Light" panose="020F0302020204030204" pitchFamily="34" charset="0"/>
-              </a:rPr>
-              <a:t>On partage les bonnes pratiques</a:t>
-            </a:r>
-            <a:br>
-              <a:rPr lang="en-GB" sz="1600">
-                <a:latin typeface="Calibri Light" panose="020F0302020204030204" pitchFamily="34" charset="0"/>
-                <a:cs typeface="Calibri Light" panose="020F0302020204030204" pitchFamily="34" charset="0"/>
-              </a:rPr>
-            </a:br>
-            <a:endParaRPr lang="en-GB" sz="1600">
-              <a:latin typeface="Calibri Light" panose="020F0302020204030204" pitchFamily="34" charset="0"/>
-              <a:cs typeface="Calibri Light" panose="020F0302020204030204" pitchFamily="34" charset="0"/>
-            </a:endParaRPr>
-          </a:p>
-          <a:p>
-            <a:pPr marL="0" indent="0">
-              <a:buNone/>
-            </a:pPr>
-            <a:r>
-              <a:rPr lang="en-GB" sz="2000" b="1">
-                <a:solidFill>
-                  <a:srgbClr val="FF0000"/>
-                </a:solidFill>
-              </a:rPr>
-              <a:t>On est là pour </a:t>
-            </a:r>
-            <a:r>
-              <a:rPr lang="en-GB" sz="2000" b="1">
-                <a:solidFill>
-                  <a:srgbClr val="FF0000"/>
-                </a:solidFill>
-                <a:latin typeface="Calibri Light" panose="020F0302020204030204" pitchFamily="34" charset="0"/>
-                <a:cs typeface="Calibri Light" panose="020F0302020204030204" pitchFamily="34" charset="0"/>
-              </a:rPr>
-              <a:t>apprendre, découvrir, partager et échanger.</a:t>
-            </a:r>
-            <a:br>
-              <a:rPr lang="en-GB" sz="2000" b="1">
-                <a:solidFill>
-                  <a:srgbClr val="FF0000"/>
-                </a:solidFill>
-                <a:latin typeface="Calibri Light" panose="020F0302020204030204" pitchFamily="34" charset="0"/>
-                <a:cs typeface="Calibri Light" panose="020F0302020204030204" pitchFamily="34" charset="0"/>
-              </a:rPr>
-            </a:br>
-            <a:endParaRPr lang="en-GB" sz="2000" b="1">
-              <a:solidFill>
-                <a:srgbClr val="FF0000"/>
-              </a:solidFill>
-              <a:latin typeface="Calibri Light" panose="020F0302020204030204" pitchFamily="34" charset="0"/>
-              <a:cs typeface="Calibri Light" panose="020F0302020204030204" pitchFamily="34" charset="0"/>
-            </a:endParaRPr>
-          </a:p>
-          <a:p>
-            <a:endParaRPr lang="en-FR" sz="1600">
-              <a:latin typeface="Calibri Light" panose="020F0302020204030204" pitchFamily="34" charset="0"/>
-              <a:cs typeface="Calibri Light" panose="020F0302020204030204" pitchFamily="34" charset="0"/>
-            </a:endParaRPr>
-          </a:p>
-        </p:txBody>
-      </p:sp>
-      <p:sp>
-        <p:nvSpPr>
-          <p:cNvPr id="3" name="Slide Number Placeholder 2">
-            <a:extLst>
-              <a:ext uri="{FF2B5EF4-FFF2-40B4-BE49-F238E27FC236}">
-                <a16:creationId xmlns:a16="http://schemas.microsoft.com/office/drawing/2014/main" id="{4746521B-8783-3A45-B812-EE7119261FAA}"/>
+                <a16:creationId xmlns:a16="http://schemas.microsoft.com/office/drawing/2014/main" id="{26120A3B-1EFF-4C47-A8FD-16CBA2938AFA}"/>
               </a:ext>
             </a:extLst>
           </p:cNvPr>
@@ -3687,31 +3378,252 @@
       </p:sp>
       <p:sp>
         <p:nvSpPr>
-          <p:cNvPr id="4" name="Title 3">
+          <p:cNvPr id="8" name="TextBox 7">
             <a:extLst>
               <a:ext uri="{FF2B5EF4-FFF2-40B4-BE49-F238E27FC236}">
-                <a16:creationId xmlns:a16="http://schemas.microsoft.com/office/drawing/2014/main" id="{63D6607A-78C6-214B-A999-0A43E432962D}"/>
+                <a16:creationId xmlns:a16="http://schemas.microsoft.com/office/drawing/2014/main" id="{299554E8-312D-F348-BF63-D7C66741AF59}"/>
               </a:ext>
             </a:extLst>
           </p:cNvPr>
-          <p:cNvSpPr>
-            <a:spLocks noGrp="1"/>
-          </p:cNvSpPr>
-          <p:nvPr>
-            <p:ph type="title"/>
-          </p:nvPr>
+          <p:cNvSpPr txBox="1"/>
+          <p:nvPr/>
         </p:nvSpPr>
-        <p:spPr/>
+        <p:spPr>
+          <a:xfrm>
+            <a:off x="3366655" y="714895"/>
+            <a:ext cx="5444618" cy="2640723"/>
+          </a:xfrm>
+          <a:prstGeom prst="rect">
+            <a:avLst/>
+          </a:prstGeom>
+          <a:noFill/>
+        </p:spPr>
         <p:txBody>
-          <a:bodyPr/>
+          <a:bodyPr wrap="square" rtlCol="0">
+            <a:spAutoFit/>
+          </a:bodyPr>
           <a:lstStyle/>
           <a:p>
-            <a:r>
-              <a:rPr lang="en-FR">
+            <a:pPr marL="285750" indent="-285750" defTabSz="457189">
+              <a:spcBef>
+                <a:spcPct val="20000"/>
+              </a:spcBef>
+              <a:buClr>
+                <a:srgbClr val="62C4DD"/>
+              </a:buClr>
+              <a:buSzPct val="120000"/>
+              <a:buFont typeface="Wingdings" charset="2"/>
+              <a:buChar char="•"/>
+            </a:pPr>
+            <a:r>
+              <a:rPr lang="en-GB">
+                <a:solidFill>
+                  <a:srgbClr val="2A3835"/>
+                </a:solidFill>
                 <a:latin typeface="Calibri Light" panose="020F0302020204030204" pitchFamily="34" charset="0"/>
                 <a:cs typeface="Calibri Light" panose="020F0302020204030204" pitchFamily="34" charset="0"/>
               </a:rPr>
-              <a:t>CargoChat ?</a:t>
+              <a:t>Web: </a:t>
+            </a:r>
+            <a:r>
+              <a:rPr lang="en-GB" sz="1400">
+                <a:solidFill>
+                  <a:srgbClr val="2A3835"/>
+                </a:solidFill>
+                <a:latin typeface="Courier" pitchFamily="2" charset="0"/>
+                <a:cs typeface="Calibri Light" panose="020F0302020204030204" pitchFamily="34" charset="0"/>
+                <a:hlinkClick r:id="rId2"/>
+              </a:rPr>
+              <a:t>cargo.resinfo.org/spip.php?article86</a:t>
+            </a:r>
+            <a:r>
+              <a:rPr lang="en-GB" sz="1400">
+                <a:solidFill>
+                  <a:srgbClr val="2A3835"/>
+                </a:solidFill>
+                <a:latin typeface="Courier" pitchFamily="2" charset="0"/>
+                <a:cs typeface="Calibri Light" panose="020F0302020204030204" pitchFamily="34" charset="0"/>
+              </a:rPr>
+              <a:t> </a:t>
+            </a:r>
+            <a:endParaRPr lang="en-GB">
+              <a:solidFill>
+                <a:srgbClr val="2A3835"/>
+              </a:solidFill>
+              <a:latin typeface="Courier" pitchFamily="2" charset="0"/>
+              <a:cs typeface="Calibri Light" panose="020F0302020204030204" pitchFamily="34" charset="0"/>
+            </a:endParaRPr>
+          </a:p>
+          <a:p>
+            <a:pPr marL="285750" indent="-285750" defTabSz="457189">
+              <a:spcBef>
+                <a:spcPct val="20000"/>
+              </a:spcBef>
+              <a:buClr>
+                <a:srgbClr val="62C4DD"/>
+              </a:buClr>
+              <a:buSzPct val="120000"/>
+              <a:buFont typeface="Wingdings" charset="2"/>
+              <a:buChar char="•"/>
+            </a:pPr>
+            <a:r>
+              <a:rPr lang="en-GB">
+                <a:solidFill>
+                  <a:srgbClr val="2A3835"/>
+                </a:solidFill>
+                <a:latin typeface="Calibri Light" panose="020F0302020204030204" pitchFamily="34" charset="0"/>
+                <a:cs typeface="Calibri Light" panose="020F0302020204030204" pitchFamily="34" charset="0"/>
+              </a:rPr>
+              <a:t>Présentation: </a:t>
+            </a:r>
+            <a:r>
+              <a:rPr lang="en-GB" sz="1400">
+                <a:solidFill>
+                  <a:srgbClr val="2A3835"/>
+                </a:solidFill>
+                <a:latin typeface="Courier" pitchFamily="2" charset="0"/>
+                <a:cs typeface="Calibri Light" panose="020F0302020204030204" pitchFamily="34" charset="0"/>
+                <a:hlinkClick r:id="rId3"/>
+              </a:rPr>
+              <a:t>cutt.ly/cargo-cc-talks</a:t>
+            </a:r>
+            <a:r>
+              <a:rPr lang="en-GB" sz="1400">
+                <a:solidFill>
+                  <a:srgbClr val="2A3835"/>
+                </a:solidFill>
+                <a:latin typeface="Courier" pitchFamily="2" charset="0"/>
+                <a:cs typeface="Calibri Light" panose="020F0302020204030204" pitchFamily="34" charset="0"/>
+              </a:rPr>
+              <a:t>  </a:t>
+            </a:r>
+          </a:p>
+          <a:p>
+            <a:pPr marL="285750" indent="-285750" defTabSz="457189">
+              <a:spcBef>
+                <a:spcPct val="20000"/>
+              </a:spcBef>
+              <a:buClr>
+                <a:srgbClr val="62C4DD"/>
+              </a:buClr>
+              <a:buSzPct val="120000"/>
+              <a:buFont typeface="Wingdings" charset="2"/>
+              <a:buChar char="•"/>
+            </a:pPr>
+            <a:r>
+              <a:rPr lang="en-GB">
+                <a:solidFill>
+                  <a:srgbClr val="2A3835"/>
+                </a:solidFill>
+                <a:latin typeface="Calibri Light" panose="020F0302020204030204" pitchFamily="34" charset="0"/>
+                <a:cs typeface="Calibri Light" panose="020F0302020204030204" pitchFamily="34" charset="0"/>
+              </a:rPr>
+              <a:t>Pad: </a:t>
+            </a:r>
+            <a:r>
+              <a:rPr lang="en-GB" sz="1400">
+                <a:solidFill>
+                  <a:srgbClr val="2A3835"/>
+                </a:solidFill>
+                <a:latin typeface="Courier" pitchFamily="2" charset="0"/>
+                <a:cs typeface="Calibri Light" panose="020F0302020204030204" pitchFamily="34" charset="0"/>
+                <a:hlinkClick r:id="rId4"/>
+              </a:rPr>
+              <a:t>cutt.ly/cargo-cc-v9-pad</a:t>
+            </a:r>
+            <a:endParaRPr lang="en-GB" sz="1400">
+              <a:solidFill>
+                <a:srgbClr val="2A3835"/>
+              </a:solidFill>
+              <a:latin typeface="Courier" pitchFamily="2" charset="0"/>
+              <a:cs typeface="Calibri Light" panose="020F0302020204030204" pitchFamily="34" charset="0"/>
+            </a:endParaRPr>
+          </a:p>
+          <a:p>
+            <a:pPr defTabSz="457189">
+              <a:spcBef>
+                <a:spcPct val="20000"/>
+              </a:spcBef>
+              <a:buClr>
+                <a:srgbClr val="62C4DD"/>
+              </a:buClr>
+              <a:buSzPct val="120000"/>
+            </a:pPr>
+            <a:endParaRPr lang="en-GB">
+              <a:solidFill>
+                <a:srgbClr val="2A3835"/>
+              </a:solidFill>
+              <a:latin typeface="Calibri Light" panose="020F0302020204030204" pitchFamily="34" charset="0"/>
+              <a:cs typeface="Calibri Light" panose="020F0302020204030204" pitchFamily="34" charset="0"/>
+            </a:endParaRPr>
+          </a:p>
+          <a:p>
+            <a:pPr marL="285750" indent="-285750" defTabSz="457189">
+              <a:spcBef>
+                <a:spcPct val="20000"/>
+              </a:spcBef>
+              <a:buClr>
+                <a:srgbClr val="62C4DD"/>
+              </a:buClr>
+              <a:buSzPct val="120000"/>
+              <a:buFont typeface="Arial" panose="020B0604020202020204" pitchFamily="34" charset="0"/>
+              <a:buChar char="•"/>
+            </a:pPr>
+            <a:r>
+              <a:rPr lang="en-GB">
+                <a:solidFill>
+                  <a:srgbClr val="2A3835"/>
+                </a:solidFill>
+                <a:latin typeface="Calibri Light" panose="020F0302020204030204" pitchFamily="34" charset="0"/>
+                <a:cs typeface="Calibri Light" panose="020F0302020204030204" pitchFamily="34" charset="0"/>
+              </a:rPr>
+              <a:t>On parle pendant max 45min pour terminer à 11h00, </a:t>
+            </a:r>
+          </a:p>
+          <a:p>
+            <a:pPr marL="285750" indent="-285750" defTabSz="457189">
+              <a:spcBef>
+                <a:spcPct val="20000"/>
+              </a:spcBef>
+              <a:buClr>
+                <a:srgbClr val="62C4DD"/>
+              </a:buClr>
+              <a:buSzPct val="120000"/>
+              <a:buFont typeface="Arial" panose="020B0604020202020204" pitchFamily="34" charset="0"/>
+              <a:buChar char="•"/>
+            </a:pPr>
+            <a:r>
+              <a:rPr lang="en-GB">
+                <a:solidFill>
+                  <a:srgbClr val="2A3835"/>
+                </a:solidFill>
+                <a:latin typeface="Calibri Light" panose="020F0302020204030204" pitchFamily="34" charset="0"/>
+                <a:cs typeface="Calibri Light" panose="020F0302020204030204" pitchFamily="34" charset="0"/>
+              </a:rPr>
+              <a:t>Utilisez le Chat de BBB pour échanger et  le pad pour les questions et vos contributions</a:t>
+            </a:r>
+          </a:p>
+          <a:p>
+            <a:pPr marL="285750" indent="-285750" defTabSz="457189">
+              <a:spcBef>
+                <a:spcPct val="20000"/>
+              </a:spcBef>
+              <a:buClr>
+                <a:srgbClr val="62C4DD"/>
+              </a:buClr>
+              <a:buSzPct val="120000"/>
+              <a:buFont typeface="Arial" panose="020B0604020202020204" pitchFamily="34" charset="0"/>
+              <a:buChar char="•"/>
+            </a:pPr>
+            <a:r>
+              <a:rPr lang="en-GB">
+                <a:solidFill>
+                  <a:srgbClr val="2A3835"/>
+                </a:solidFill>
+                <a:latin typeface="Calibri Light" panose="020F0302020204030204" pitchFamily="34" charset="0"/>
+                <a:cs typeface="Calibri Light" panose="020F0302020204030204" pitchFamily="34" charset="0"/>
+              </a:rPr>
+              <a:t>Allumez le micro pour prendre la parole</a:t>
             </a:r>
           </a:p>
         </p:txBody>
@@ -3719,7 +3631,7 @@
     </p:spTree>
     <p:extLst>
       <p:ext uri="{BB962C8B-B14F-4D97-AF65-F5344CB8AC3E}">
-        <p14:creationId xmlns:p14="http://schemas.microsoft.com/office/powerpoint/2010/main" val="1098584956"/>
+        <p14:creationId xmlns:p14="http://schemas.microsoft.com/office/powerpoint/2010/main" val="3208999725"/>
       </p:ext>
     </p:extLst>
   </p:cSld>
